--- a/pitch_deck/20240808MMs(QML_Project_Womanium).pptx
+++ b/pitch_deck/20240808MMs(QML_Project_Womanium).pptx
@@ -13914,7 +13914,7 @@
         <p:spPr>
           <a:xfrm>
             <a:off x="985969" y="4473227"/>
-            <a:ext cx="8288032" cy="1096648"/>
+            <a:ext cx="8288032" cy="1798324"/>
           </a:xfrm>
         </p:spPr>
         <p:txBody>
@@ -13926,12 +13926,49 @@
             <a:pPr algn="l"/>
             <a:r>
               <a:rPr lang="de-DE" sz="4800" dirty="0" err="1"/>
-              <a:t>Cybersecurity</a:t>
+              <a:t>Womanium</a:t>
             </a:r>
             <a:r>
               <a:rPr lang="de-DE" sz="4800" dirty="0"/>
-              <a:t>-Aspekte von QML</a:t>
-            </a:r>
+              <a:t> </a:t>
+            </a:r>
+            <a:r>
+              <a:rPr lang="de-DE" sz="4800" dirty="0" err="1"/>
+              <a:t>Quantum+AI</a:t>
+            </a:r>
+            <a:r>
+              <a:rPr lang="de-DE" sz="4800" dirty="0"/>
+              <a:t> Project: QML </a:t>
+            </a:r>
+            <a:r>
+              <a:rPr lang="de-DE" sz="4800" dirty="0" err="1"/>
+              <a:t>for</a:t>
+            </a:r>
+            <a:r>
+              <a:rPr lang="de-DE" sz="4800" dirty="0"/>
+              <a:t> </a:t>
+            </a:r>
+            <a:r>
+              <a:rPr lang="de-DE" sz="4800" dirty="0" err="1"/>
+              <a:t>Conspicuity</a:t>
+            </a:r>
+            <a:r>
+              <a:rPr lang="de-DE" sz="4800" dirty="0"/>
+              <a:t> </a:t>
+            </a:r>
+            <a:r>
+              <a:rPr lang="de-DE" sz="4800" dirty="0" err="1"/>
+              <a:t>Detection</a:t>
+            </a:r>
+            <a:r>
+              <a:rPr lang="de-DE" sz="4800" dirty="0"/>
+              <a:t> in </a:t>
+            </a:r>
+            <a:r>
+              <a:rPr lang="de-DE" sz="4800" dirty="0" err="1"/>
+              <a:t>Production</a:t>
+            </a:r>
+            <a:endParaRPr lang="de-DE" sz="4800" dirty="0"/>
           </a:p>
         </p:txBody>
       </p:sp>
@@ -13953,7 +13990,7 @@
         </p:nvSpPr>
         <p:spPr>
           <a:xfrm>
-            <a:off x="985969" y="5569874"/>
+            <a:off x="985968" y="6248400"/>
             <a:ext cx="8288032" cy="701677"/>
           </a:xfrm>
         </p:spPr>
@@ -14001,6 +14038,42 @@
           <a:xfrm>
             <a:off x="985968" y="609600"/>
             <a:ext cx="8288033" cy="3635025"/>
+          </a:xfrm>
+          <a:prstGeom prst="rect">
+            <a:avLst/>
+          </a:prstGeom>
+        </p:spPr>
+      </p:pic>
+      <p:pic>
+        <p:nvPicPr>
+          <p:cNvPr id="8" name="Grafik 7">
+            <a:extLst>
+              <a:ext uri="{FF2B5EF4-FFF2-40B4-BE49-F238E27FC236}">
+                <a16:creationId xmlns:a16="http://schemas.microsoft.com/office/drawing/2014/main" id="{127ABC84-6487-7CFD-F578-2DED965ACAD3}"/>
+              </a:ext>
+            </a:extLst>
+          </p:cNvPr>
+          <p:cNvPicPr>
+            <a:picLocks noChangeAspect="1"/>
+          </p:cNvPicPr>
+          <p:nvPr/>
+        </p:nvPicPr>
+        <p:blipFill>
+          <a:blip r:embed="rId3">
+            <a:extLst>
+              <a:ext uri="{28A0092B-C50C-407E-A947-70E740481C1C}">
+                <a14:useLocalDpi xmlns:a14="http://schemas.microsoft.com/office/drawing/2010/main" val="0"/>
+              </a:ext>
+            </a:extLst>
+          </a:blip>
+          <a:stretch>
+            <a:fillRect/>
+          </a:stretch>
+        </p:blipFill>
+        <p:spPr>
+          <a:xfrm>
+            <a:off x="985968" y="43292"/>
+            <a:ext cx="6095990" cy="452007"/>
           </a:xfrm>
           <a:prstGeom prst="rect">
             <a:avLst/>
@@ -14939,6 +15012,42 @@
           </a:graphicData>
         </a:graphic>
       </p:graphicFrame>
+      <p:pic>
+        <p:nvPicPr>
+          <p:cNvPr id="3" name="Grafik 2">
+            <a:extLst>
+              <a:ext uri="{FF2B5EF4-FFF2-40B4-BE49-F238E27FC236}">
+                <a16:creationId xmlns:a16="http://schemas.microsoft.com/office/drawing/2014/main" id="{8585CD26-A47A-BECB-D730-9DD530D53D67}"/>
+              </a:ext>
+            </a:extLst>
+          </p:cNvPr>
+          <p:cNvPicPr>
+            <a:picLocks noChangeAspect="1"/>
+          </p:cNvPicPr>
+          <p:nvPr/>
+        </p:nvPicPr>
+        <p:blipFill>
+          <a:blip r:embed="rId7">
+            <a:extLst>
+              <a:ext uri="{28A0092B-C50C-407E-A947-70E740481C1C}">
+                <a14:useLocalDpi xmlns:a14="http://schemas.microsoft.com/office/drawing/2010/main" val="0"/>
+              </a:ext>
+            </a:extLst>
+          </a:blip>
+          <a:stretch>
+            <a:fillRect/>
+          </a:stretch>
+        </p:blipFill>
+        <p:spPr>
+          <a:xfrm>
+            <a:off x="985968" y="43292"/>
+            <a:ext cx="6095990" cy="452007"/>
+          </a:xfrm>
+          <a:prstGeom prst="rect">
+            <a:avLst/>
+          </a:prstGeom>
+        </p:spPr>
+      </p:pic>
     </p:spTree>
     <p:extLst>
       <p:ext uri="{BB962C8B-B14F-4D97-AF65-F5344CB8AC3E}">
@@ -15043,6 +15152,42 @@
           </a:graphicData>
         </a:graphic>
       </p:graphicFrame>
+      <p:pic>
+        <p:nvPicPr>
+          <p:cNvPr id="3" name="Grafik 2">
+            <a:extLst>
+              <a:ext uri="{FF2B5EF4-FFF2-40B4-BE49-F238E27FC236}">
+                <a16:creationId xmlns:a16="http://schemas.microsoft.com/office/drawing/2014/main" id="{7E32FCA9-2082-045A-3FAF-8932BC54CADF}"/>
+              </a:ext>
+            </a:extLst>
+          </p:cNvPr>
+          <p:cNvPicPr>
+            <a:picLocks noChangeAspect="1"/>
+          </p:cNvPicPr>
+          <p:nvPr/>
+        </p:nvPicPr>
+        <p:blipFill>
+          <a:blip r:embed="rId8">
+            <a:extLst>
+              <a:ext uri="{28A0092B-C50C-407E-A947-70E740481C1C}">
+                <a14:useLocalDpi xmlns:a14="http://schemas.microsoft.com/office/drawing/2010/main" val="0"/>
+              </a:ext>
+            </a:extLst>
+          </a:blip>
+          <a:stretch>
+            <a:fillRect/>
+          </a:stretch>
+        </p:blipFill>
+        <p:spPr>
+          <a:xfrm>
+            <a:off x="985968" y="43292"/>
+            <a:ext cx="6095990" cy="452007"/>
+          </a:xfrm>
+          <a:prstGeom prst="rect">
+            <a:avLst/>
+          </a:prstGeom>
+        </p:spPr>
+      </p:pic>
     </p:spTree>
     <p:extLst>
       <p:ext uri="{BB962C8B-B14F-4D97-AF65-F5344CB8AC3E}">
@@ -15351,6 +15496,42 @@
           <a:xfrm>
             <a:off x="4975668" y="4923694"/>
             <a:ext cx="5633696" cy="1787505"/>
+          </a:xfrm>
+          <a:prstGeom prst="rect">
+            <a:avLst/>
+          </a:prstGeom>
+        </p:spPr>
+      </p:pic>
+      <p:pic>
+        <p:nvPicPr>
+          <p:cNvPr id="4" name="Grafik 3">
+            <a:extLst>
+              <a:ext uri="{FF2B5EF4-FFF2-40B4-BE49-F238E27FC236}">
+                <a16:creationId xmlns:a16="http://schemas.microsoft.com/office/drawing/2014/main" id="{37CA7FDA-AC43-E313-5FB5-5D6D7DC21CA7}"/>
+              </a:ext>
+            </a:extLst>
+          </p:cNvPr>
+          <p:cNvPicPr>
+            <a:picLocks noChangeAspect="1"/>
+          </p:cNvPicPr>
+          <p:nvPr/>
+        </p:nvPicPr>
+        <p:blipFill>
+          <a:blip r:embed="rId5">
+            <a:extLst>
+              <a:ext uri="{28A0092B-C50C-407E-A947-70E740481C1C}">
+                <a14:useLocalDpi xmlns:a14="http://schemas.microsoft.com/office/drawing/2010/main" val="0"/>
+              </a:ext>
+            </a:extLst>
+          </a:blip>
+          <a:stretch>
+            <a:fillRect/>
+          </a:stretch>
+        </p:blipFill>
+        <p:spPr>
+          <a:xfrm>
+            <a:off x="985968" y="43292"/>
+            <a:ext cx="6095990" cy="452007"/>
           </a:xfrm>
           <a:prstGeom prst="rect">
             <a:avLst/>
@@ -15972,6 +16153,42 @@
           </a:prstGeom>
         </p:spPr>
       </p:pic>
+      <p:pic>
+        <p:nvPicPr>
+          <p:cNvPr id="4" name="Grafik 3">
+            <a:extLst>
+              <a:ext uri="{FF2B5EF4-FFF2-40B4-BE49-F238E27FC236}">
+                <a16:creationId xmlns:a16="http://schemas.microsoft.com/office/drawing/2014/main" id="{1EC2C91D-CFF1-5BDE-1864-68D4784F72EB}"/>
+              </a:ext>
+            </a:extLst>
+          </p:cNvPr>
+          <p:cNvPicPr>
+            <a:picLocks noChangeAspect="1"/>
+          </p:cNvPicPr>
+          <p:nvPr/>
+        </p:nvPicPr>
+        <p:blipFill>
+          <a:blip r:embed="rId3">
+            <a:extLst>
+              <a:ext uri="{28A0092B-C50C-407E-A947-70E740481C1C}">
+                <a14:useLocalDpi xmlns:a14="http://schemas.microsoft.com/office/drawing/2010/main" val="0"/>
+              </a:ext>
+            </a:extLst>
+          </a:blip>
+          <a:stretch>
+            <a:fillRect/>
+          </a:stretch>
+        </p:blipFill>
+        <p:spPr>
+          <a:xfrm>
+            <a:off x="985968" y="43292"/>
+            <a:ext cx="6095990" cy="452007"/>
+          </a:xfrm>
+          <a:prstGeom prst="rect">
+            <a:avLst/>
+          </a:prstGeom>
+        </p:spPr>
+      </p:pic>
     </p:spTree>
     <p:extLst>
       <p:ext uri="{BB962C8B-B14F-4D97-AF65-F5344CB8AC3E}">
@@ -16458,6 +16675,42 @@
           </a:prstGeom>
         </p:spPr>
       </p:pic>
+      <p:pic>
+        <p:nvPicPr>
+          <p:cNvPr id="4" name="Grafik 3">
+            <a:extLst>
+              <a:ext uri="{FF2B5EF4-FFF2-40B4-BE49-F238E27FC236}">
+                <a16:creationId xmlns:a16="http://schemas.microsoft.com/office/drawing/2014/main" id="{2313D74C-DC20-7FEE-402C-E11EF0CB920D}"/>
+              </a:ext>
+            </a:extLst>
+          </p:cNvPr>
+          <p:cNvPicPr>
+            <a:picLocks noChangeAspect="1"/>
+          </p:cNvPicPr>
+          <p:nvPr/>
+        </p:nvPicPr>
+        <p:blipFill>
+          <a:blip r:embed="rId6">
+            <a:extLst>
+              <a:ext uri="{28A0092B-C50C-407E-A947-70E740481C1C}">
+                <a14:useLocalDpi xmlns:a14="http://schemas.microsoft.com/office/drawing/2010/main" val="0"/>
+              </a:ext>
+            </a:extLst>
+          </a:blip>
+          <a:stretch>
+            <a:fillRect/>
+          </a:stretch>
+        </p:blipFill>
+        <p:spPr>
+          <a:xfrm>
+            <a:off x="985968" y="43292"/>
+            <a:ext cx="6095990" cy="452007"/>
+          </a:xfrm>
+          <a:prstGeom prst="rect">
+            <a:avLst/>
+          </a:prstGeom>
+        </p:spPr>
+      </p:pic>
     </p:spTree>
     <p:extLst>
       <p:ext uri="{BB962C8B-B14F-4D97-AF65-F5344CB8AC3E}">
@@ -17003,6 +17256,42 @@
           <a:xfrm>
             <a:off x="7178031" y="2485292"/>
             <a:ext cx="4191942" cy="3029213"/>
+          </a:xfrm>
+          <a:prstGeom prst="rect">
+            <a:avLst/>
+          </a:prstGeom>
+        </p:spPr>
+      </p:pic>
+      <p:pic>
+        <p:nvPicPr>
+          <p:cNvPr id="4" name="Grafik 3">
+            <a:extLst>
+              <a:ext uri="{FF2B5EF4-FFF2-40B4-BE49-F238E27FC236}">
+                <a16:creationId xmlns:a16="http://schemas.microsoft.com/office/drawing/2014/main" id="{881BD878-E255-D72B-9E60-955EDCE24EC9}"/>
+              </a:ext>
+            </a:extLst>
+          </p:cNvPr>
+          <p:cNvPicPr>
+            <a:picLocks noChangeAspect="1"/>
+          </p:cNvPicPr>
+          <p:nvPr/>
+        </p:nvPicPr>
+        <p:blipFill>
+          <a:blip r:embed="rId3">
+            <a:extLst>
+              <a:ext uri="{28A0092B-C50C-407E-A947-70E740481C1C}">
+                <a14:useLocalDpi xmlns:a14="http://schemas.microsoft.com/office/drawing/2010/main" val="0"/>
+              </a:ext>
+            </a:extLst>
+          </a:blip>
+          <a:stretch>
+            <a:fillRect/>
+          </a:stretch>
+        </p:blipFill>
+        <p:spPr>
+          <a:xfrm>
+            <a:off x="985968" y="43292"/>
+            <a:ext cx="6095990" cy="452007"/>
           </a:xfrm>
           <a:prstGeom prst="rect">
             <a:avLst/>
@@ -17756,6 +18045,42 @@
           </a:p>
         </p:txBody>
       </p:sp>
+      <p:pic>
+        <p:nvPicPr>
+          <p:cNvPr id="4" name="Grafik 3">
+            <a:extLst>
+              <a:ext uri="{FF2B5EF4-FFF2-40B4-BE49-F238E27FC236}">
+                <a16:creationId xmlns:a16="http://schemas.microsoft.com/office/drawing/2014/main" id="{6950BD49-8647-4E7E-4796-C333E2E21D83}"/>
+              </a:ext>
+            </a:extLst>
+          </p:cNvPr>
+          <p:cNvPicPr>
+            <a:picLocks noChangeAspect="1"/>
+          </p:cNvPicPr>
+          <p:nvPr/>
+        </p:nvPicPr>
+        <p:blipFill>
+          <a:blip r:embed="rId4">
+            <a:extLst>
+              <a:ext uri="{28A0092B-C50C-407E-A947-70E740481C1C}">
+                <a14:useLocalDpi xmlns:a14="http://schemas.microsoft.com/office/drawing/2010/main" val="0"/>
+              </a:ext>
+            </a:extLst>
+          </a:blip>
+          <a:stretch>
+            <a:fillRect/>
+          </a:stretch>
+        </p:blipFill>
+        <p:spPr>
+          <a:xfrm>
+            <a:off x="985968" y="43292"/>
+            <a:ext cx="6095990" cy="452007"/>
+          </a:xfrm>
+          <a:prstGeom prst="rect">
+            <a:avLst/>
+          </a:prstGeom>
+        </p:spPr>
+      </p:pic>
     </p:spTree>
     <p:extLst>
       <p:ext uri="{BB962C8B-B14F-4D97-AF65-F5344CB8AC3E}">
